--- a/Лекции/Методы классификации из ML в ИБ.pptx
+++ b/Лекции/Методы классификации из ML в ИБ.pptx
@@ -221,7 +221,7 @@
           <a:p>
             <a:fld id="{701BF306-9528-46AE-9DD1-D556234069E0}" type="datetimeFigureOut">
               <a:rPr lang="ru-RU" smtClean="0"/>
-              <a:t>29.11.2021</a:t>
+              <a:t>24.12.2021</a:t>
             </a:fld>
             <a:endParaRPr lang="ru-RU"/>
           </a:p>
@@ -2483,7 +2483,7 @@
           <a:p>
             <a:fld id="{97C8BA21-A51B-4511-A3F7-B707063C957F}" type="datetime1">
               <a:rPr lang="ru-RU" smtClean="0"/>
-              <a:t>29.11.2021</a:t>
+              <a:t>24.12.2021</a:t>
             </a:fld>
             <a:endParaRPr lang="ru-RU"/>
           </a:p>
@@ -2651,7 +2651,7 @@
           <a:p>
             <a:fld id="{F48EA989-442A-4E9D-8058-86888928DEA1}" type="datetime1">
               <a:rPr lang="ru-RU" smtClean="0"/>
-              <a:t>29.11.2021</a:t>
+              <a:t>24.12.2021</a:t>
             </a:fld>
             <a:endParaRPr lang="ru-RU"/>
           </a:p>
@@ -2829,7 +2829,7 @@
           <a:p>
             <a:fld id="{286AF307-58B6-4428-BFC1-554222D57CD3}" type="datetime1">
               <a:rPr lang="ru-RU" smtClean="0"/>
-              <a:t>29.11.2021</a:t>
+              <a:t>24.12.2021</a:t>
             </a:fld>
             <a:endParaRPr lang="ru-RU"/>
           </a:p>
@@ -2997,7 +2997,7 @@
           <a:p>
             <a:fld id="{5869ABA5-425B-4B2F-9FA7-818938C06475}" type="datetime1">
               <a:rPr lang="ru-RU" smtClean="0"/>
-              <a:t>29.11.2021</a:t>
+              <a:t>24.12.2021</a:t>
             </a:fld>
             <a:endParaRPr lang="ru-RU"/>
           </a:p>
@@ -3242,7 +3242,7 @@
           <a:p>
             <a:fld id="{5E70D06A-C40C-4AAD-9C0F-1E5F4FB44F8E}" type="datetime1">
               <a:rPr lang="ru-RU" smtClean="0"/>
-              <a:t>29.11.2021</a:t>
+              <a:t>24.12.2021</a:t>
             </a:fld>
             <a:endParaRPr lang="ru-RU"/>
           </a:p>
@@ -3471,7 +3471,7 @@
           <a:p>
             <a:fld id="{E8BCE68F-F707-43B3-9181-D647137ABA05}" type="datetime1">
               <a:rPr lang="ru-RU" smtClean="0"/>
-              <a:t>29.11.2021</a:t>
+              <a:t>24.12.2021</a:t>
             </a:fld>
             <a:endParaRPr lang="ru-RU"/>
           </a:p>
@@ -3835,7 +3835,7 @@
           <a:p>
             <a:fld id="{92CAEB5A-7ABF-45CD-970B-A2B2993E2E55}" type="datetime1">
               <a:rPr lang="ru-RU" smtClean="0"/>
-              <a:t>29.11.2021</a:t>
+              <a:t>24.12.2021</a:t>
             </a:fld>
             <a:endParaRPr lang="ru-RU"/>
           </a:p>
@@ -3952,7 +3952,7 @@
           <a:p>
             <a:fld id="{FB93AE00-4DAA-4CF7-96B2-7A6511C27949}" type="datetime1">
               <a:rPr lang="ru-RU" smtClean="0"/>
-              <a:t>29.11.2021</a:t>
+              <a:t>24.12.2021</a:t>
             </a:fld>
             <a:endParaRPr lang="ru-RU"/>
           </a:p>
@@ -4047,7 +4047,7 @@
           <a:p>
             <a:fld id="{ABDBE301-1C0E-44D0-9EFB-50B369153D1A}" type="datetime1">
               <a:rPr lang="ru-RU" smtClean="0"/>
-              <a:t>29.11.2021</a:t>
+              <a:t>24.12.2021</a:t>
             </a:fld>
             <a:endParaRPr lang="ru-RU"/>
           </a:p>
@@ -4322,7 +4322,7 @@
           <a:p>
             <a:fld id="{32AD9867-34E9-44D4-9CE2-397C82AEF995}" type="datetime1">
               <a:rPr lang="ru-RU" smtClean="0"/>
-              <a:t>29.11.2021</a:t>
+              <a:t>24.12.2021</a:t>
             </a:fld>
             <a:endParaRPr lang="ru-RU"/>
           </a:p>
@@ -4574,7 +4574,7 @@
           <a:p>
             <a:fld id="{5EC1C81D-0322-455E-BF07-1C6EDE411F7E}" type="datetime1">
               <a:rPr lang="ru-RU" smtClean="0"/>
-              <a:t>29.11.2021</a:t>
+              <a:t>24.12.2021</a:t>
             </a:fld>
             <a:endParaRPr lang="ru-RU"/>
           </a:p>
@@ -4785,7 +4785,7 @@
           <a:p>
             <a:fld id="{2297DEC9-FBDB-4DEF-8246-BD1F6A49D235}" type="datetime1">
               <a:rPr lang="ru-RU" smtClean="0"/>
-              <a:t>29.11.2021</a:t>
+              <a:t>24.12.2021</a:t>
             </a:fld>
             <a:endParaRPr lang="ru-RU"/>
           </a:p>
@@ -5287,75 +5287,6 @@
           </a:p>
         </p:txBody>
       </p:sp>
-      <p:sp>
-        <p:nvSpPr>
-          <p:cNvPr id="7" name="Прямоугольник 6"/>
-          <p:cNvSpPr/>
-          <p:nvPr/>
-        </p:nvSpPr>
-        <p:spPr>
-          <a:xfrm>
-            <a:off x="952052" y="5484010"/>
-            <a:ext cx="4102470" cy="923330"/>
-          </a:xfrm>
-          <a:prstGeom prst="rect">
-            <a:avLst/>
-          </a:prstGeom>
-        </p:spPr>
-        <p:txBody>
-          <a:bodyPr wrap="none">
-            <a:spAutoFit/>
-          </a:bodyPr>
-          <a:lstStyle/>
-          <a:p>
-            <a:r>
-              <a:rPr lang="ru-RU" dirty="0">
-                <a:solidFill>
-                  <a:schemeClr val="bg1"/>
-                </a:solidFill>
-                <a:latin typeface="Arial" panose="020B0604020202020204" pitchFamily="34" charset="0"/>
-                <a:ea typeface="Tahoma" panose="020B0604030504040204" pitchFamily="34" charset="0"/>
-                <a:cs typeface="Arial" panose="020B0604020202020204" pitchFamily="34" charset="0"/>
-              </a:rPr>
-              <a:t>Алексей Синадский</a:t>
-            </a:r>
-          </a:p>
-          <a:p>
-            <a:r>
-              <a:rPr lang="ru-RU" dirty="0">
-                <a:solidFill>
-                  <a:schemeClr val="bg1"/>
-                </a:solidFill>
-                <a:latin typeface="Arial" panose="020B0604020202020204" pitchFamily="34" charset="0"/>
-                <a:ea typeface="Tahoma" panose="020B0604030504040204" pitchFamily="34" charset="0"/>
-                <a:cs typeface="Arial" panose="020B0604020202020204" pitchFamily="34" charset="0"/>
-              </a:rPr>
-              <a:t>Ассистент УНЦ ИБ ИРИТ-РТФ УРФУ</a:t>
-            </a:r>
-          </a:p>
-          <a:p>
-            <a:r>
-              <a:rPr lang="en-US" dirty="0">
-                <a:solidFill>
-                  <a:schemeClr val="bg1"/>
-                </a:solidFill>
-                <a:latin typeface="Arial" panose="020B0604020202020204" pitchFamily="34" charset="0"/>
-                <a:ea typeface="Tahoma" panose="020B0604030504040204" pitchFamily="34" charset="0"/>
-                <a:cs typeface="Arial" panose="020B0604020202020204" pitchFamily="34" charset="0"/>
-              </a:rPr>
-              <a:t>a.n.sinadsky@urfu.ru</a:t>
-            </a:r>
-            <a:endParaRPr lang="ru-RU" sz="2800" dirty="0">
-              <a:solidFill>
-                <a:schemeClr val="bg1"/>
-              </a:solidFill>
-              <a:latin typeface="Arial" panose="020B0604020202020204" pitchFamily="34" charset="0"/>
-              <a:ea typeface="Tahoma" panose="020B0604030504040204" pitchFamily="34" charset="0"/>
-              <a:cs typeface="Arial" panose="020B0604020202020204" pitchFamily="34" charset="0"/>
-            </a:endParaRPr>
-          </a:p>
-        </p:txBody>
-      </p:sp>
       <p:pic>
         <p:nvPicPr>
           <p:cNvPr id="8" name="Рисунок 7">
@@ -5391,6 +5322,171 @@
           </a:prstGeom>
         </p:spPr>
       </p:pic>
+      <p:sp>
+        <p:nvSpPr>
+          <p:cNvPr id="10" name="Прямоугольник 9">
+            <a:extLst>
+              <a:ext uri="{FF2B5EF4-FFF2-40B4-BE49-F238E27FC236}">
+                <a16:creationId xmlns:a16="http://schemas.microsoft.com/office/drawing/2014/main" id="{47BE7A8F-A1C7-4C7A-98EC-41508716A246}"/>
+              </a:ext>
+            </a:extLst>
+          </p:cNvPr>
+          <p:cNvSpPr/>
+          <p:nvPr/>
+        </p:nvSpPr>
+        <p:spPr>
+          <a:xfrm>
+            <a:off x="952052" y="5467028"/>
+            <a:ext cx="2924583" cy="923330"/>
+          </a:xfrm>
+          <a:prstGeom prst="rect">
+            <a:avLst/>
+          </a:prstGeom>
+        </p:spPr>
+        <p:txBody>
+          <a:bodyPr wrap="none">
+            <a:spAutoFit/>
+          </a:bodyPr>
+          <a:lstStyle>
+            <a:defPPr>
+              <a:defRPr lang="ru-RU"/>
+            </a:defPPr>
+            <a:lvl1pPr marL="0" algn="l" defTabSz="914400" rtl="0" eaLnBrk="1" latinLnBrk="0" hangingPunct="1">
+              <a:defRPr sz="1800" kern="1200">
+                <a:solidFill>
+                  <a:schemeClr val="tx1"/>
+                </a:solidFill>
+                <a:latin typeface="+mn-lt"/>
+                <a:ea typeface="+mn-ea"/>
+                <a:cs typeface="+mn-cs"/>
+              </a:defRPr>
+            </a:lvl1pPr>
+            <a:lvl2pPr marL="457200" algn="l" defTabSz="914400" rtl="0" eaLnBrk="1" latinLnBrk="0" hangingPunct="1">
+              <a:defRPr sz="1800" kern="1200">
+                <a:solidFill>
+                  <a:schemeClr val="tx1"/>
+                </a:solidFill>
+                <a:latin typeface="+mn-lt"/>
+                <a:ea typeface="+mn-ea"/>
+                <a:cs typeface="+mn-cs"/>
+              </a:defRPr>
+            </a:lvl2pPr>
+            <a:lvl3pPr marL="914400" algn="l" defTabSz="914400" rtl="0" eaLnBrk="1" latinLnBrk="0" hangingPunct="1">
+              <a:defRPr sz="1800" kern="1200">
+                <a:solidFill>
+                  <a:schemeClr val="tx1"/>
+                </a:solidFill>
+                <a:latin typeface="+mn-lt"/>
+                <a:ea typeface="+mn-ea"/>
+                <a:cs typeface="+mn-cs"/>
+              </a:defRPr>
+            </a:lvl3pPr>
+            <a:lvl4pPr marL="1371600" algn="l" defTabSz="914400" rtl="0" eaLnBrk="1" latinLnBrk="0" hangingPunct="1">
+              <a:defRPr sz="1800" kern="1200">
+                <a:solidFill>
+                  <a:schemeClr val="tx1"/>
+                </a:solidFill>
+                <a:latin typeface="+mn-lt"/>
+                <a:ea typeface="+mn-ea"/>
+                <a:cs typeface="+mn-cs"/>
+              </a:defRPr>
+            </a:lvl4pPr>
+            <a:lvl5pPr marL="1828800" algn="l" defTabSz="914400" rtl="0" eaLnBrk="1" latinLnBrk="0" hangingPunct="1">
+              <a:defRPr sz="1800" kern="1200">
+                <a:solidFill>
+                  <a:schemeClr val="tx1"/>
+                </a:solidFill>
+                <a:latin typeface="+mn-lt"/>
+                <a:ea typeface="+mn-ea"/>
+                <a:cs typeface="+mn-cs"/>
+              </a:defRPr>
+            </a:lvl5pPr>
+            <a:lvl6pPr marL="2286000" algn="l" defTabSz="914400" rtl="0" eaLnBrk="1" latinLnBrk="0" hangingPunct="1">
+              <a:defRPr sz="1800" kern="1200">
+                <a:solidFill>
+                  <a:schemeClr val="tx1"/>
+                </a:solidFill>
+                <a:latin typeface="+mn-lt"/>
+                <a:ea typeface="+mn-ea"/>
+                <a:cs typeface="+mn-cs"/>
+              </a:defRPr>
+            </a:lvl6pPr>
+            <a:lvl7pPr marL="2743200" algn="l" defTabSz="914400" rtl="0" eaLnBrk="1" latinLnBrk="0" hangingPunct="1">
+              <a:defRPr sz="1800" kern="1200">
+                <a:solidFill>
+                  <a:schemeClr val="tx1"/>
+                </a:solidFill>
+                <a:latin typeface="+mn-lt"/>
+                <a:ea typeface="+mn-ea"/>
+                <a:cs typeface="+mn-cs"/>
+              </a:defRPr>
+            </a:lvl7pPr>
+            <a:lvl8pPr marL="3200400" algn="l" defTabSz="914400" rtl="0" eaLnBrk="1" latinLnBrk="0" hangingPunct="1">
+              <a:defRPr sz="1800" kern="1200">
+                <a:solidFill>
+                  <a:schemeClr val="tx1"/>
+                </a:solidFill>
+                <a:latin typeface="+mn-lt"/>
+                <a:ea typeface="+mn-ea"/>
+                <a:cs typeface="+mn-cs"/>
+              </a:defRPr>
+            </a:lvl8pPr>
+            <a:lvl9pPr marL="3657600" algn="l" defTabSz="914400" rtl="0" eaLnBrk="1" latinLnBrk="0" hangingPunct="1">
+              <a:defRPr sz="1800" kern="1200">
+                <a:solidFill>
+                  <a:schemeClr val="tx1"/>
+                </a:solidFill>
+                <a:latin typeface="+mn-lt"/>
+                <a:ea typeface="+mn-ea"/>
+                <a:cs typeface="+mn-cs"/>
+              </a:defRPr>
+            </a:lvl9pPr>
+          </a:lstStyle>
+          <a:p>
+            <a:r>
+              <a:rPr lang="ru-RU" b="1" dirty="0">
+                <a:solidFill>
+                  <a:schemeClr val="bg1"/>
+                </a:solidFill>
+                <a:latin typeface="Arial" panose="020B0604020202020204" pitchFamily="34" charset="0"/>
+                <a:cs typeface="Arial" panose="020B0604020202020204" pitchFamily="34" charset="0"/>
+              </a:rPr>
+              <a:t>Фамилия Имя Отчество</a:t>
+            </a:r>
+          </a:p>
+          <a:p>
+            <a:r>
+              <a:rPr lang="ru-RU" dirty="0">
+                <a:solidFill>
+                  <a:schemeClr val="bg1"/>
+                </a:solidFill>
+                <a:latin typeface="Arial" panose="020B0604020202020204" pitchFamily="34" charset="0"/>
+                <a:cs typeface="Arial" panose="020B0604020202020204" pitchFamily="34" charset="0"/>
+              </a:rPr>
+              <a:t>должность</a:t>
+            </a:r>
+            <a:br>
+              <a:rPr lang="en-US" dirty="0">
+                <a:solidFill>
+                  <a:schemeClr val="bg1"/>
+                </a:solidFill>
+                <a:latin typeface="Arial" panose="020B0604020202020204" pitchFamily="34" charset="0"/>
+                <a:cs typeface="Arial" panose="020B0604020202020204" pitchFamily="34" charset="0"/>
+              </a:rPr>
+            </a:br>
+            <a:r>
+              <a:rPr lang="ru-RU" dirty="0">
+                <a:solidFill>
+                  <a:schemeClr val="bg1"/>
+                </a:solidFill>
+                <a:latin typeface="Arial" panose="020B0604020202020204" pitchFamily="34" charset="0"/>
+                <a:cs typeface="Arial" panose="020B0604020202020204" pitchFamily="34" charset="0"/>
+              </a:rPr>
+              <a:t>контакты</a:t>
+            </a:r>
+          </a:p>
+        </p:txBody>
+      </p:sp>
     </p:spTree>
     <p:extLst>
       <p:ext uri="{BB962C8B-B14F-4D97-AF65-F5344CB8AC3E}">
